--- a/reports/auto insurance.pptx
+++ b/reports/auto insurance.pptx
@@ -17,9 +17,9 @@
     <p:sldId id="299" r:id="rId8"/>
     <p:sldId id="300" r:id="rId9"/>
     <p:sldId id="301" r:id="rId10"/>
-    <p:sldId id="291" r:id="rId11"/>
-    <p:sldId id="297" r:id="rId12"/>
-    <p:sldId id="302" r:id="rId13"/>
+    <p:sldId id="297" r:id="rId11"/>
+    <p:sldId id="302" r:id="rId12"/>
+    <p:sldId id="291" r:id="rId13"/>
     <p:sldId id="295" r:id="rId14"/>
     <p:sldId id="293" r:id="rId15"/>
   </p:sldIdLst>
@@ -24854,6 +24854,791 @@
       </p:grpSpPr>
       <p:sp>
         <p:nvSpPr>
+          <p:cNvPr id="2" name="Title 1">
+            <a:extLst>
+              <a:ext uri="{FF2B5EF4-FFF2-40B4-BE49-F238E27FC236}">
+                <a16:creationId xmlns:a16="http://schemas.microsoft.com/office/drawing/2014/main" id="{86B309B0-6209-D3D0-9D5E-308B9F6E7303}"/>
+              </a:ext>
+            </a:extLst>
+          </p:cNvPr>
+          <p:cNvSpPr>
+            <a:spLocks noGrp="1"/>
+          </p:cNvSpPr>
+          <p:nvPr>
+            <p:ph type="title"/>
+          </p:nvPr>
+        </p:nvSpPr>
+        <p:spPr>
+          <a:xfrm>
+            <a:off x="3963924" y="594360"/>
+            <a:ext cx="8165592" cy="1428595"/>
+          </a:xfrm>
+        </p:spPr>
+        <p:txBody>
+          <a:bodyPr/>
+          <a:lstStyle/>
+          <a:p>
+            <a:r>
+              <a:rPr lang="en-US"/>
+              <a:t>Recommendations</a:t>
+            </a:r>
+            <a:endParaRPr lang="en-US" dirty="0"/>
+          </a:p>
+        </p:txBody>
+      </p:sp>
+      <p:sp>
+        <p:nvSpPr>
+          <p:cNvPr id="25" name="Slide Number Placeholder 24">
+            <a:extLst>
+              <a:ext uri="{FF2B5EF4-FFF2-40B4-BE49-F238E27FC236}">
+                <a16:creationId xmlns:a16="http://schemas.microsoft.com/office/drawing/2014/main" id="{5058AE03-D409-0714-CCED-4548A9C92023}"/>
+              </a:ext>
+            </a:extLst>
+          </p:cNvPr>
+          <p:cNvSpPr>
+            <a:spLocks noGrp="1"/>
+          </p:cNvSpPr>
+          <p:nvPr>
+            <p:ph type="sldNum" sz="quarter" idx="12"/>
+          </p:nvPr>
+        </p:nvSpPr>
+        <p:spPr/>
+        <p:txBody>
+          <a:bodyPr/>
+          <a:lstStyle/>
+          <a:p>
+            <a:fld id="{48F63A3B-78C7-47BE-AE5E-E10140E04643}" type="slidenum">
+              <a:rPr lang="en-US" smtClean="0"/>
+              <a:t>10</a:t>
+            </a:fld>
+            <a:endParaRPr lang="en-US" dirty="0"/>
+          </a:p>
+        </p:txBody>
+      </p:sp>
+      <p:sp>
+        <p:nvSpPr>
+          <p:cNvPr id="11" name="Text Placeholder 10">
+            <a:extLst>
+              <a:ext uri="{FF2B5EF4-FFF2-40B4-BE49-F238E27FC236}">
+                <a16:creationId xmlns:a16="http://schemas.microsoft.com/office/drawing/2014/main" id="{A2C39DD0-CD86-2929-7808-58D17FC2C0A6}"/>
+              </a:ext>
+            </a:extLst>
+          </p:cNvPr>
+          <p:cNvSpPr>
+            <a:spLocks noGrp="1"/>
+          </p:cNvSpPr>
+          <p:nvPr>
+            <p:ph type="body" idx="1"/>
+          </p:nvPr>
+        </p:nvSpPr>
+        <p:spPr>
+          <a:xfrm>
+            <a:off x="4101926" y="1308657"/>
+            <a:ext cx="4385125" cy="411480"/>
+          </a:xfrm>
+        </p:spPr>
+        <p:txBody>
+          <a:bodyPr/>
+          <a:lstStyle/>
+          <a:p>
+            <a:r>
+              <a:rPr lang="en-US" dirty="0"/>
+              <a:t>Facts and data-driven Results</a:t>
+            </a:r>
+          </a:p>
+        </p:txBody>
+      </p:sp>
+      <p:sp>
+        <p:nvSpPr>
+          <p:cNvPr id="12" name="Content Placeholder 11">
+            <a:extLst>
+              <a:ext uri="{FF2B5EF4-FFF2-40B4-BE49-F238E27FC236}">
+                <a16:creationId xmlns:a16="http://schemas.microsoft.com/office/drawing/2014/main" id="{CE3C1BFF-2275-1E7D-0604-E6F5CFEC01F6}"/>
+              </a:ext>
+            </a:extLst>
+          </p:cNvPr>
+          <p:cNvSpPr>
+            <a:spLocks noGrp="1"/>
+          </p:cNvSpPr>
+          <p:nvPr>
+            <p:ph sz="half" idx="2"/>
+          </p:nvPr>
+        </p:nvSpPr>
+        <p:spPr>
+          <a:xfrm>
+            <a:off x="3685032" y="2041657"/>
+            <a:ext cx="3741928" cy="3684588"/>
+          </a:xfrm>
+        </p:spPr>
+        <p:txBody>
+          <a:bodyPr/>
+          <a:lstStyle/>
+          <a:p>
+            <a:r>
+              <a:rPr lang="en-US" dirty="0"/>
+              <a:t>The net profit of </a:t>
+            </a:r>
+            <a:r>
+              <a:rPr lang="en-US" b="1" dirty="0"/>
+              <a:t>2017</a:t>
+            </a:r>
+            <a:r>
+              <a:rPr lang="en-US" dirty="0"/>
+              <a:t> auto insurance is</a:t>
+            </a:r>
+            <a:r>
+              <a:rPr lang="en-US" b="1" dirty="0"/>
+              <a:t> -16 M</a:t>
+            </a:r>
+            <a:r>
+              <a:rPr lang="en-US" dirty="0"/>
+              <a:t>. </a:t>
+            </a:r>
+          </a:p>
+          <a:p>
+            <a:pPr marL="0" indent="0">
+              <a:buNone/>
+            </a:pPr>
+            <a:endParaRPr lang="en-US" dirty="0"/>
+          </a:p>
+          <a:p>
+            <a:r>
+              <a:rPr lang="en-US" b="1" dirty="0"/>
+              <a:t>84%</a:t>
+            </a:r>
+            <a:r>
+              <a:rPr lang="en-US" dirty="0"/>
+              <a:t> of existing customers never filed any claims in </a:t>
+            </a:r>
+            <a:r>
+              <a:rPr lang="en-US" b="1" dirty="0"/>
+              <a:t>2017</a:t>
+            </a:r>
+            <a:r>
+              <a:rPr lang="en-US" dirty="0"/>
+              <a:t>.</a:t>
+            </a:r>
+          </a:p>
+          <a:p>
+            <a:pPr marL="0" indent="0">
+              <a:buNone/>
+            </a:pPr>
+            <a:endParaRPr lang="en-US" dirty="0"/>
+          </a:p>
+          <a:p>
+            <a:r>
+              <a:rPr lang="en-US" b="1" dirty="0"/>
+              <a:t>70%</a:t>
+            </a:r>
+            <a:r>
+              <a:rPr lang="en-US" dirty="0"/>
+              <a:t> of claim cost of the existing customers that filed at least one claim in </a:t>
+            </a:r>
+            <a:r>
+              <a:rPr lang="en-US" b="1" dirty="0"/>
+              <a:t>2017</a:t>
+            </a:r>
+            <a:r>
+              <a:rPr lang="en-US" dirty="0"/>
+              <a:t> is lower than </a:t>
+            </a:r>
+            <a:r>
+              <a:rPr lang="en-US" b="1" dirty="0"/>
+              <a:t>$2880 </a:t>
+            </a:r>
+            <a:r>
+              <a:rPr lang="en-US" dirty="0"/>
+              <a:t>(</a:t>
+            </a:r>
+            <a:r>
+              <a:rPr lang="en-US" b="1" dirty="0"/>
+              <a:t>4 times of premium</a:t>
+            </a:r>
+            <a:r>
+              <a:rPr lang="en-US" dirty="0"/>
+              <a:t>).</a:t>
+            </a:r>
+          </a:p>
+          <a:p>
+            <a:pPr marL="0" indent="0">
+              <a:buNone/>
+            </a:pPr>
+            <a:endParaRPr lang="en-US" dirty="0"/>
+          </a:p>
+          <a:p>
+            <a:r>
+              <a:rPr lang="en-US" b="1" dirty="0"/>
+              <a:t>10% </a:t>
+            </a:r>
+            <a:r>
+              <a:rPr lang="en-US" dirty="0"/>
+              <a:t>of claim cost of the existing customers that filed at least one claim in </a:t>
+            </a:r>
+            <a:r>
+              <a:rPr lang="en-US" b="1" dirty="0"/>
+              <a:t>2017</a:t>
+            </a:r>
+            <a:r>
+              <a:rPr lang="en-US" dirty="0"/>
+              <a:t> is greater than </a:t>
+            </a:r>
+            <a:r>
+              <a:rPr lang="en-US" b="1" dirty="0"/>
+              <a:t>$7160 </a:t>
+            </a:r>
+            <a:r>
+              <a:rPr lang="en-US" dirty="0"/>
+              <a:t>(</a:t>
+            </a:r>
+            <a:r>
+              <a:rPr lang="en-US" b="1" dirty="0"/>
+              <a:t>10 times of premium</a:t>
+            </a:r>
+            <a:r>
+              <a:rPr lang="en-US" dirty="0"/>
+              <a:t>).</a:t>
+            </a:r>
+          </a:p>
+        </p:txBody>
+      </p:sp>
+      <p:graphicFrame>
+        <p:nvGraphicFramePr>
+          <p:cNvPr id="8" name="Chart 7">
+            <a:extLst>
+              <a:ext uri="{FF2B5EF4-FFF2-40B4-BE49-F238E27FC236}">
+                <a16:creationId xmlns:a16="http://schemas.microsoft.com/office/drawing/2014/main" id="{345CBD07-E365-C907-48E6-C84C1D079377}"/>
+              </a:ext>
+            </a:extLst>
+          </p:cNvPr>
+          <p:cNvGraphicFramePr/>
+          <p:nvPr>
+            <p:extLst>
+              <p:ext uri="{D42A27DB-BD31-4B8C-83A1-F6EECF244321}">
+                <p14:modId xmlns:p14="http://schemas.microsoft.com/office/powerpoint/2010/main" val="1442232054"/>
+              </p:ext>
+            </p:extLst>
+          </p:nvPr>
+        </p:nvGraphicFramePr>
+        <p:xfrm>
+          <a:off x="8131947" y="1720138"/>
+          <a:ext cx="2982098" cy="2381346"/>
+        </p:xfrm>
+        <a:graphic>
+          <a:graphicData uri="http://schemas.openxmlformats.org/drawingml/2006/chart">
+            <c:chart xmlns:c="http://schemas.openxmlformats.org/drawingml/2006/chart" xmlns:r="http://schemas.openxmlformats.org/officeDocument/2006/relationships" r:id="rId2"/>
+          </a:graphicData>
+        </a:graphic>
+      </p:graphicFrame>
+      <p:graphicFrame>
+        <p:nvGraphicFramePr>
+          <p:cNvPr id="9" name="Chart 8">
+            <a:extLst>
+              <a:ext uri="{FF2B5EF4-FFF2-40B4-BE49-F238E27FC236}">
+                <a16:creationId xmlns:a16="http://schemas.microsoft.com/office/drawing/2014/main" id="{59DD6384-74A5-8248-51F5-B47A4554F004}"/>
+              </a:ext>
+            </a:extLst>
+          </p:cNvPr>
+          <p:cNvGraphicFramePr/>
+          <p:nvPr>
+            <p:extLst>
+              <p:ext uri="{D42A27DB-BD31-4B8C-83A1-F6EECF244321}">
+                <p14:modId xmlns:p14="http://schemas.microsoft.com/office/powerpoint/2010/main" val="1559851836"/>
+              </p:ext>
+            </p:extLst>
+          </p:nvPr>
+        </p:nvGraphicFramePr>
+        <p:xfrm>
+          <a:off x="8168939" y="4145222"/>
+          <a:ext cx="2982098" cy="2381346"/>
+        </p:xfrm>
+        <a:graphic>
+          <a:graphicData uri="http://schemas.openxmlformats.org/drawingml/2006/chart">
+            <c:chart xmlns:c="http://schemas.openxmlformats.org/drawingml/2006/chart" xmlns:r="http://schemas.openxmlformats.org/officeDocument/2006/relationships" r:id="rId3"/>
+          </a:graphicData>
+        </a:graphic>
+      </p:graphicFrame>
+    </p:spTree>
+    <p:extLst>
+      <p:ext uri="{BB962C8B-B14F-4D97-AF65-F5344CB8AC3E}">
+        <p14:creationId xmlns:p14="http://schemas.microsoft.com/office/powerpoint/2010/main" val="1701659711"/>
+      </p:ext>
+    </p:extLst>
+  </p:cSld>
+  <p:clrMapOvr>
+    <a:masterClrMapping/>
+  </p:clrMapOvr>
+</p:sld>
+</file>
+
+<file path=ppt/slides/slide11.xml><?xml version="1.0" encoding="utf-8"?>
+<p:sld xmlns:a="http://schemas.openxmlformats.org/drawingml/2006/main" xmlns:r="http://schemas.openxmlformats.org/officeDocument/2006/relationships" xmlns:p="http://schemas.openxmlformats.org/presentationml/2006/main">
+  <p:cSld>
+    <p:spTree>
+      <p:nvGrpSpPr>
+        <p:cNvPr id="1" name=""/>
+        <p:cNvGrpSpPr/>
+        <p:nvPr/>
+      </p:nvGrpSpPr>
+      <p:grpSpPr>
+        <a:xfrm>
+          <a:off x="0" y="0"/>
+          <a:ext cx="0" cy="0"/>
+          <a:chOff x="0" y="0"/>
+          <a:chExt cx="0" cy="0"/>
+        </a:xfrm>
+      </p:grpSpPr>
+      <p:sp>
+        <p:nvSpPr>
+          <p:cNvPr id="2" name="Title 1">
+            <a:extLst>
+              <a:ext uri="{FF2B5EF4-FFF2-40B4-BE49-F238E27FC236}">
+                <a16:creationId xmlns:a16="http://schemas.microsoft.com/office/drawing/2014/main" id="{86B309B0-6209-D3D0-9D5E-308B9F6E7303}"/>
+              </a:ext>
+            </a:extLst>
+          </p:cNvPr>
+          <p:cNvSpPr>
+            <a:spLocks noGrp="1"/>
+          </p:cNvSpPr>
+          <p:nvPr>
+            <p:ph type="title"/>
+          </p:nvPr>
+        </p:nvSpPr>
+        <p:spPr>
+          <a:xfrm>
+            <a:off x="3963924" y="594360"/>
+            <a:ext cx="8165592" cy="1428595"/>
+          </a:xfrm>
+        </p:spPr>
+        <p:txBody>
+          <a:bodyPr/>
+          <a:lstStyle/>
+          <a:p>
+            <a:r>
+              <a:rPr lang="en-US" dirty="0"/>
+              <a:t>Recommendations</a:t>
+            </a:r>
+          </a:p>
+        </p:txBody>
+      </p:sp>
+      <p:sp>
+        <p:nvSpPr>
+          <p:cNvPr id="25" name="Slide Number Placeholder 24">
+            <a:extLst>
+              <a:ext uri="{FF2B5EF4-FFF2-40B4-BE49-F238E27FC236}">
+                <a16:creationId xmlns:a16="http://schemas.microsoft.com/office/drawing/2014/main" id="{5058AE03-D409-0714-CCED-4548A9C92023}"/>
+              </a:ext>
+            </a:extLst>
+          </p:cNvPr>
+          <p:cNvSpPr>
+            <a:spLocks noGrp="1"/>
+          </p:cNvSpPr>
+          <p:nvPr>
+            <p:ph type="sldNum" sz="quarter" idx="12"/>
+          </p:nvPr>
+        </p:nvSpPr>
+        <p:spPr/>
+        <p:txBody>
+          <a:bodyPr/>
+          <a:lstStyle/>
+          <a:p>
+            <a:fld id="{48F63A3B-78C7-47BE-AE5E-E10140E04643}" type="slidenum">
+              <a:rPr lang="en-US" smtClean="0"/>
+              <a:t>11</a:t>
+            </a:fld>
+            <a:endParaRPr lang="en-US" dirty="0"/>
+          </a:p>
+        </p:txBody>
+      </p:sp>
+      <p:sp>
+        <p:nvSpPr>
+          <p:cNvPr id="11" name="Text Placeholder 10">
+            <a:extLst>
+              <a:ext uri="{FF2B5EF4-FFF2-40B4-BE49-F238E27FC236}">
+                <a16:creationId xmlns:a16="http://schemas.microsoft.com/office/drawing/2014/main" id="{A2C39DD0-CD86-2929-7808-58D17FC2C0A6}"/>
+              </a:ext>
+            </a:extLst>
+          </p:cNvPr>
+          <p:cNvSpPr>
+            <a:spLocks noGrp="1"/>
+          </p:cNvSpPr>
+          <p:nvPr>
+            <p:ph type="body" idx="1"/>
+          </p:nvPr>
+        </p:nvSpPr>
+        <p:spPr>
+          <a:xfrm>
+            <a:off x="4101926" y="1308657"/>
+            <a:ext cx="4385125" cy="411480"/>
+          </a:xfrm>
+        </p:spPr>
+        <p:txBody>
+          <a:bodyPr/>
+          <a:lstStyle/>
+          <a:p>
+            <a:r>
+              <a:rPr lang="en-US" dirty="0"/>
+              <a:t>Reasons</a:t>
+            </a:r>
+          </a:p>
+        </p:txBody>
+      </p:sp>
+      <p:sp>
+        <p:nvSpPr>
+          <p:cNvPr id="5" name="Text Placeholder 10">
+            <a:extLst>
+              <a:ext uri="{FF2B5EF4-FFF2-40B4-BE49-F238E27FC236}">
+                <a16:creationId xmlns:a16="http://schemas.microsoft.com/office/drawing/2014/main" id="{5EF77762-98BB-F77B-A482-561BF4FE9D3C}"/>
+              </a:ext>
+            </a:extLst>
+          </p:cNvPr>
+          <p:cNvSpPr txBox="1">
+            <a:spLocks/>
+          </p:cNvSpPr>
+          <p:nvPr/>
+        </p:nvSpPr>
+        <p:spPr>
+          <a:xfrm>
+            <a:off x="3977640" y="2330704"/>
+            <a:ext cx="3822192" cy="411480"/>
+          </a:xfrm>
+          <a:prstGeom prst="rect">
+            <a:avLst/>
+          </a:prstGeom>
+        </p:spPr>
+        <p:txBody>
+          <a:bodyPr vert="horz" lIns="91440" tIns="45720" rIns="91440" bIns="45720" rtlCol="0" anchor="t">
+            <a:noAutofit/>
+          </a:bodyPr>
+          <a:lstStyle>
+            <a:lvl1pPr marL="0" indent="0" algn="l" defTabSz="914400" rtl="0" eaLnBrk="1" latinLnBrk="0" hangingPunct="1">
+              <a:lnSpc>
+                <a:spcPct val="100000"/>
+              </a:lnSpc>
+              <a:spcBef>
+                <a:spcPts val="0"/>
+              </a:spcBef>
+              <a:buFont typeface="Arial" panose="020B0604020202020204" pitchFamily="34" charset="0"/>
+              <a:buNone/>
+              <a:defRPr sz="1800" b="1" kern="1200" cap="all" baseline="0">
+                <a:solidFill>
+                  <a:schemeClr val="accent6"/>
+                </a:solidFill>
+                <a:latin typeface="Arial" panose="020B0604020202020204" pitchFamily="34" charset="0"/>
+                <a:ea typeface="+mn-ea"/>
+                <a:cs typeface="Arial" panose="020B0604020202020204" pitchFamily="34" charset="0"/>
+              </a:defRPr>
+            </a:lvl1pPr>
+            <a:lvl2pPr marL="457200" indent="0" algn="l" defTabSz="914400" rtl="0" eaLnBrk="1" latinLnBrk="0" hangingPunct="1">
+              <a:lnSpc>
+                <a:spcPct val="100000"/>
+              </a:lnSpc>
+              <a:spcBef>
+                <a:spcPts val="360"/>
+              </a:spcBef>
+              <a:buFont typeface="Arial" panose="020B0604020202020204" pitchFamily="34" charset="0"/>
+              <a:buNone/>
+              <a:defRPr sz="2000" b="1" kern="1200">
+                <a:solidFill>
+                  <a:schemeClr val="accent6"/>
+                </a:solidFill>
+                <a:latin typeface="+mn-lt"/>
+                <a:ea typeface="+mn-ea"/>
+                <a:cs typeface="+mn-cs"/>
+              </a:defRPr>
+            </a:lvl2pPr>
+            <a:lvl3pPr marL="914400" indent="0" algn="l" defTabSz="914400" rtl="0" eaLnBrk="1" latinLnBrk="0" hangingPunct="1">
+              <a:lnSpc>
+                <a:spcPct val="100000"/>
+              </a:lnSpc>
+              <a:spcBef>
+                <a:spcPts val="360"/>
+              </a:spcBef>
+              <a:buFont typeface="Arial" panose="020B0604020202020204" pitchFamily="34" charset="0"/>
+              <a:buNone/>
+              <a:defRPr sz="1800" b="1" kern="1200">
+                <a:solidFill>
+                  <a:schemeClr val="accent6"/>
+                </a:solidFill>
+                <a:latin typeface="+mn-lt"/>
+                <a:ea typeface="+mn-ea"/>
+                <a:cs typeface="+mn-cs"/>
+              </a:defRPr>
+            </a:lvl3pPr>
+            <a:lvl4pPr marL="1371600" indent="0" algn="l" defTabSz="914400" rtl="0" eaLnBrk="1" latinLnBrk="0" hangingPunct="1">
+              <a:lnSpc>
+                <a:spcPct val="100000"/>
+              </a:lnSpc>
+              <a:spcBef>
+                <a:spcPts val="360"/>
+              </a:spcBef>
+              <a:buFont typeface="Arial" panose="020B0604020202020204" pitchFamily="34" charset="0"/>
+              <a:buNone/>
+              <a:defRPr sz="1600" b="1" kern="1200">
+                <a:solidFill>
+                  <a:schemeClr val="accent6"/>
+                </a:solidFill>
+                <a:latin typeface="+mn-lt"/>
+                <a:ea typeface="+mn-ea"/>
+                <a:cs typeface="+mn-cs"/>
+              </a:defRPr>
+            </a:lvl4pPr>
+            <a:lvl5pPr marL="1828800" indent="0" algn="l" defTabSz="914400" rtl="0" eaLnBrk="1" latinLnBrk="0" hangingPunct="1">
+              <a:lnSpc>
+                <a:spcPct val="100000"/>
+              </a:lnSpc>
+              <a:spcBef>
+                <a:spcPts val="360"/>
+              </a:spcBef>
+              <a:buFont typeface="Arial" panose="020B0604020202020204" pitchFamily="34" charset="0"/>
+              <a:buNone/>
+              <a:defRPr sz="1600" b="1" kern="1200">
+                <a:solidFill>
+                  <a:schemeClr val="accent6"/>
+                </a:solidFill>
+                <a:latin typeface="+mn-lt"/>
+                <a:ea typeface="+mn-ea"/>
+                <a:cs typeface="+mn-cs"/>
+              </a:defRPr>
+            </a:lvl5pPr>
+            <a:lvl6pPr marL="2286000" indent="0" algn="l" defTabSz="914400" rtl="0" eaLnBrk="1" latinLnBrk="0" hangingPunct="1">
+              <a:lnSpc>
+                <a:spcPct val="90000"/>
+              </a:lnSpc>
+              <a:spcBef>
+                <a:spcPts val="500"/>
+              </a:spcBef>
+              <a:buFont typeface="Arial" panose="020B0604020202020204" pitchFamily="34" charset="0"/>
+              <a:buNone/>
+              <a:defRPr sz="1600" b="1" kern="1200">
+                <a:solidFill>
+                  <a:schemeClr val="tx1"/>
+                </a:solidFill>
+                <a:latin typeface="+mn-lt"/>
+                <a:ea typeface="+mn-ea"/>
+                <a:cs typeface="+mn-cs"/>
+              </a:defRPr>
+            </a:lvl6pPr>
+            <a:lvl7pPr marL="2743200" indent="0" algn="l" defTabSz="914400" rtl="0" eaLnBrk="1" latinLnBrk="0" hangingPunct="1">
+              <a:lnSpc>
+                <a:spcPct val="90000"/>
+              </a:lnSpc>
+              <a:spcBef>
+                <a:spcPts val="500"/>
+              </a:spcBef>
+              <a:buFont typeface="Arial" panose="020B0604020202020204" pitchFamily="34" charset="0"/>
+              <a:buNone/>
+              <a:defRPr sz="1600" b="1" kern="1200">
+                <a:solidFill>
+                  <a:schemeClr val="tx1"/>
+                </a:solidFill>
+                <a:latin typeface="+mn-lt"/>
+                <a:ea typeface="+mn-ea"/>
+                <a:cs typeface="+mn-cs"/>
+              </a:defRPr>
+            </a:lvl7pPr>
+            <a:lvl8pPr marL="3200400" indent="0" algn="l" defTabSz="914400" rtl="0" eaLnBrk="1" latinLnBrk="0" hangingPunct="1">
+              <a:lnSpc>
+                <a:spcPct val="90000"/>
+              </a:lnSpc>
+              <a:spcBef>
+                <a:spcPts val="500"/>
+              </a:spcBef>
+              <a:buFont typeface="Arial" panose="020B0604020202020204" pitchFamily="34" charset="0"/>
+              <a:buNone/>
+              <a:defRPr sz="1600" b="1" kern="1200">
+                <a:solidFill>
+                  <a:schemeClr val="tx1"/>
+                </a:solidFill>
+                <a:latin typeface="+mn-lt"/>
+                <a:ea typeface="+mn-ea"/>
+                <a:cs typeface="+mn-cs"/>
+              </a:defRPr>
+            </a:lvl8pPr>
+            <a:lvl9pPr marL="3657600" indent="0" algn="l" defTabSz="914400" rtl="0" eaLnBrk="1" latinLnBrk="0" hangingPunct="1">
+              <a:lnSpc>
+                <a:spcPct val="90000"/>
+              </a:lnSpc>
+              <a:spcBef>
+                <a:spcPts val="500"/>
+              </a:spcBef>
+              <a:buFont typeface="Arial" panose="020B0604020202020204" pitchFamily="34" charset="0"/>
+              <a:buNone/>
+              <a:defRPr sz="1600" b="1" kern="1200">
+                <a:solidFill>
+                  <a:schemeClr val="tx1"/>
+                </a:solidFill>
+                <a:latin typeface="+mn-lt"/>
+                <a:ea typeface="+mn-ea"/>
+                <a:cs typeface="+mn-cs"/>
+              </a:defRPr>
+            </a:lvl9pPr>
+          </a:lstStyle>
+          <a:p>
+            <a:r>
+              <a:rPr lang="en-US" dirty="0"/>
+              <a:t>Good driver</a:t>
+            </a:r>
+          </a:p>
+        </p:txBody>
+      </p:sp>
+      <p:sp>
+        <p:nvSpPr>
+          <p:cNvPr id="6" name="Content Placeholder 11">
+            <a:extLst>
+              <a:ext uri="{FF2B5EF4-FFF2-40B4-BE49-F238E27FC236}">
+                <a16:creationId xmlns:a16="http://schemas.microsoft.com/office/drawing/2014/main" id="{7A1C30E6-F26D-474F-9C8C-5A8222058776}"/>
+              </a:ext>
+            </a:extLst>
+          </p:cNvPr>
+          <p:cNvSpPr>
+            <a:spLocks noGrp="1"/>
+          </p:cNvSpPr>
+          <p:nvPr>
+            <p:ph sz="half" idx="2"/>
+          </p:nvPr>
+        </p:nvSpPr>
+        <p:spPr>
+          <a:xfrm>
+            <a:off x="3685032" y="2877312"/>
+            <a:ext cx="3741928" cy="3684588"/>
+          </a:xfrm>
+        </p:spPr>
+        <p:txBody>
+          <a:bodyPr/>
+          <a:lstStyle/>
+          <a:p>
+            <a:r>
+              <a:rPr lang="en-US" dirty="0"/>
+              <a:t>The customer that never filed any claims is the good drivers, which can increase the expectation of net profit. So a customer acquisition and retention need to be applied.  </a:t>
+            </a:r>
+          </a:p>
+          <a:p>
+            <a:endParaRPr lang="en-US" dirty="0"/>
+          </a:p>
+          <a:p>
+            <a:r>
+              <a:rPr lang="en-US" dirty="0"/>
+              <a:t>The customer that filed multi claims with low cost is also one income of the revenue, but the premium need to be adjusted to bring the positive net profit.</a:t>
+            </a:r>
+          </a:p>
+          <a:p>
+            <a:pPr marL="0" indent="0">
+              <a:buNone/>
+            </a:pPr>
+            <a:endParaRPr lang="en-US" dirty="0"/>
+          </a:p>
+          <a:p>
+            <a:endParaRPr lang="en-US" dirty="0"/>
+          </a:p>
+        </p:txBody>
+      </p:sp>
+      <p:sp>
+        <p:nvSpPr>
+          <p:cNvPr id="7" name="Text Placeholder 12">
+            <a:extLst>
+              <a:ext uri="{FF2B5EF4-FFF2-40B4-BE49-F238E27FC236}">
+                <a16:creationId xmlns:a16="http://schemas.microsoft.com/office/drawing/2014/main" id="{332C899B-D46C-988B-313C-29A23D554676}"/>
+              </a:ext>
+            </a:extLst>
+          </p:cNvPr>
+          <p:cNvSpPr>
+            <a:spLocks noGrp="1"/>
+          </p:cNvSpPr>
+          <p:nvPr>
+            <p:ph type="body" sz="quarter" idx="3"/>
+          </p:nvPr>
+        </p:nvSpPr>
+        <p:spPr>
+          <a:xfrm>
+            <a:off x="8046720" y="2330704"/>
+            <a:ext cx="3822192" cy="411480"/>
+          </a:xfrm>
+        </p:spPr>
+        <p:txBody>
+          <a:bodyPr/>
+          <a:lstStyle/>
+          <a:p>
+            <a:r>
+              <a:rPr lang="en-US" dirty="0"/>
+              <a:t>BAD DRIVER</a:t>
+            </a:r>
+          </a:p>
+        </p:txBody>
+      </p:sp>
+      <p:sp>
+        <p:nvSpPr>
+          <p:cNvPr id="8" name="Content Placeholder 13">
+            <a:extLst>
+              <a:ext uri="{FF2B5EF4-FFF2-40B4-BE49-F238E27FC236}">
+                <a16:creationId xmlns:a16="http://schemas.microsoft.com/office/drawing/2014/main" id="{704E9778-C6A2-9D12-E16A-F46398DE4DB7}"/>
+              </a:ext>
+            </a:extLst>
+          </p:cNvPr>
+          <p:cNvSpPr>
+            <a:spLocks noGrp="1"/>
+          </p:cNvSpPr>
+          <p:nvPr>
+            <p:ph sz="quarter" idx="4"/>
+          </p:nvPr>
+        </p:nvSpPr>
+        <p:spPr>
+          <a:xfrm>
+            <a:off x="7754112" y="2877312"/>
+            <a:ext cx="3741928" cy="3684588"/>
+          </a:xfrm>
+        </p:spPr>
+        <p:txBody>
+          <a:bodyPr/>
+          <a:lstStyle/>
+          <a:p>
+            <a:r>
+              <a:rPr lang="en-US" dirty="0"/>
+              <a:t>The customer that filed multi claims with high cost is the bad driver, which can decrease the expectation of the net profit. So the rejection plan could be applied. </a:t>
+            </a:r>
+          </a:p>
+          <a:p>
+            <a:endParaRPr lang="en-US" dirty="0"/>
+          </a:p>
+          <a:p>
+            <a:r>
+              <a:rPr lang="en-US" dirty="0"/>
+              <a:t>The rest customer that filed only one case with high cost need to be paid more attention by requiring more information and adding a pending time. The reason of the one-time high-cost payoff need to be investigated. The cause may be various, such as fraud, bad weather, hit and run, hit a human being or broken the high-value item.  </a:t>
+            </a:r>
+          </a:p>
+        </p:txBody>
+      </p:sp>
+    </p:spTree>
+    <p:extLst>
+      <p:ext uri="{BB962C8B-B14F-4D97-AF65-F5344CB8AC3E}">
+        <p14:creationId xmlns:p14="http://schemas.microsoft.com/office/powerpoint/2010/main" val="46367275"/>
+      </p:ext>
+    </p:extLst>
+  </p:cSld>
+  <p:clrMapOvr>
+    <a:masterClrMapping/>
+  </p:clrMapOvr>
+</p:sld>
+</file>
+
+<file path=ppt/slides/slide12.xml><?xml version="1.0" encoding="utf-8"?>
+<p:sld xmlns:a="http://schemas.openxmlformats.org/drawingml/2006/main" xmlns:r="http://schemas.openxmlformats.org/officeDocument/2006/relationships" xmlns:p="http://schemas.openxmlformats.org/presentationml/2006/main">
+  <p:cSld>
+    <p:spTree>
+      <p:nvGrpSpPr>
+        <p:cNvPr id="1" name=""/>
+        <p:cNvGrpSpPr/>
+        <p:nvPr/>
+      </p:nvGrpSpPr>
+      <p:grpSpPr>
+        <a:xfrm>
+          <a:off x="0" y="0"/>
+          <a:ext cx="0" cy="0"/>
+          <a:chOff x="0" y="0"/>
+          <a:chExt cx="0" cy="0"/>
+        </a:xfrm>
+      </p:grpSpPr>
+      <p:sp>
+        <p:nvSpPr>
           <p:cNvPr id="5" name="Title 4">
             <a:extLst>
               <a:ext uri="{FF2B5EF4-FFF2-40B4-BE49-F238E27FC236}">
@@ -24933,7 +25718,7 @@
             <a:fld id="{48F63A3B-78C7-47BE-AE5E-E10140E04643}" type="slidenum">
               <a:rPr lang="en-US" smtClean="0"/>
               <a:pPr/>
-              <a:t>10</a:t>
+              <a:t>12</a:t>
             </a:fld>
             <a:endParaRPr lang="en-US" dirty="0"/>
           </a:p>
@@ -26824,785 +27609,6 @@
 </p:sld>
 </file>
 
-<file path=ppt/slides/slide11.xml><?xml version="1.0" encoding="utf-8"?>
-<p:sld xmlns:a="http://schemas.openxmlformats.org/drawingml/2006/main" xmlns:r="http://schemas.openxmlformats.org/officeDocument/2006/relationships" xmlns:p="http://schemas.openxmlformats.org/presentationml/2006/main">
-  <p:cSld>
-    <p:spTree>
-      <p:nvGrpSpPr>
-        <p:cNvPr id="1" name=""/>
-        <p:cNvGrpSpPr/>
-        <p:nvPr/>
-      </p:nvGrpSpPr>
-      <p:grpSpPr>
-        <a:xfrm>
-          <a:off x="0" y="0"/>
-          <a:ext cx="0" cy="0"/>
-          <a:chOff x="0" y="0"/>
-          <a:chExt cx="0" cy="0"/>
-        </a:xfrm>
-      </p:grpSpPr>
-      <p:sp>
-        <p:nvSpPr>
-          <p:cNvPr id="2" name="Title 1">
-            <a:extLst>
-              <a:ext uri="{FF2B5EF4-FFF2-40B4-BE49-F238E27FC236}">
-                <a16:creationId xmlns:a16="http://schemas.microsoft.com/office/drawing/2014/main" id="{86B309B0-6209-D3D0-9D5E-308B9F6E7303}"/>
-              </a:ext>
-            </a:extLst>
-          </p:cNvPr>
-          <p:cNvSpPr>
-            <a:spLocks noGrp="1"/>
-          </p:cNvSpPr>
-          <p:nvPr>
-            <p:ph type="title"/>
-          </p:nvPr>
-        </p:nvSpPr>
-        <p:spPr>
-          <a:xfrm>
-            <a:off x="3963924" y="594360"/>
-            <a:ext cx="8165592" cy="1428595"/>
-          </a:xfrm>
-        </p:spPr>
-        <p:txBody>
-          <a:bodyPr/>
-          <a:lstStyle/>
-          <a:p>
-            <a:r>
-              <a:rPr lang="en-US"/>
-              <a:t>Recommendations</a:t>
-            </a:r>
-            <a:endParaRPr lang="en-US" dirty="0"/>
-          </a:p>
-        </p:txBody>
-      </p:sp>
-      <p:sp>
-        <p:nvSpPr>
-          <p:cNvPr id="25" name="Slide Number Placeholder 24">
-            <a:extLst>
-              <a:ext uri="{FF2B5EF4-FFF2-40B4-BE49-F238E27FC236}">
-                <a16:creationId xmlns:a16="http://schemas.microsoft.com/office/drawing/2014/main" id="{5058AE03-D409-0714-CCED-4548A9C92023}"/>
-              </a:ext>
-            </a:extLst>
-          </p:cNvPr>
-          <p:cNvSpPr>
-            <a:spLocks noGrp="1"/>
-          </p:cNvSpPr>
-          <p:nvPr>
-            <p:ph type="sldNum" sz="quarter" idx="12"/>
-          </p:nvPr>
-        </p:nvSpPr>
-        <p:spPr/>
-        <p:txBody>
-          <a:bodyPr/>
-          <a:lstStyle/>
-          <a:p>
-            <a:fld id="{48F63A3B-78C7-47BE-AE5E-E10140E04643}" type="slidenum">
-              <a:rPr lang="en-US" smtClean="0"/>
-              <a:t>11</a:t>
-            </a:fld>
-            <a:endParaRPr lang="en-US" dirty="0"/>
-          </a:p>
-        </p:txBody>
-      </p:sp>
-      <p:sp>
-        <p:nvSpPr>
-          <p:cNvPr id="11" name="Text Placeholder 10">
-            <a:extLst>
-              <a:ext uri="{FF2B5EF4-FFF2-40B4-BE49-F238E27FC236}">
-                <a16:creationId xmlns:a16="http://schemas.microsoft.com/office/drawing/2014/main" id="{A2C39DD0-CD86-2929-7808-58D17FC2C0A6}"/>
-              </a:ext>
-            </a:extLst>
-          </p:cNvPr>
-          <p:cNvSpPr>
-            <a:spLocks noGrp="1"/>
-          </p:cNvSpPr>
-          <p:nvPr>
-            <p:ph type="body" idx="1"/>
-          </p:nvPr>
-        </p:nvSpPr>
-        <p:spPr>
-          <a:xfrm>
-            <a:off x="4101926" y="1308657"/>
-            <a:ext cx="4385125" cy="411480"/>
-          </a:xfrm>
-        </p:spPr>
-        <p:txBody>
-          <a:bodyPr/>
-          <a:lstStyle/>
-          <a:p>
-            <a:r>
-              <a:rPr lang="en-US" dirty="0"/>
-              <a:t>Facts and data-driven Results</a:t>
-            </a:r>
-          </a:p>
-        </p:txBody>
-      </p:sp>
-      <p:sp>
-        <p:nvSpPr>
-          <p:cNvPr id="12" name="Content Placeholder 11">
-            <a:extLst>
-              <a:ext uri="{FF2B5EF4-FFF2-40B4-BE49-F238E27FC236}">
-                <a16:creationId xmlns:a16="http://schemas.microsoft.com/office/drawing/2014/main" id="{CE3C1BFF-2275-1E7D-0604-E6F5CFEC01F6}"/>
-              </a:ext>
-            </a:extLst>
-          </p:cNvPr>
-          <p:cNvSpPr>
-            <a:spLocks noGrp="1"/>
-          </p:cNvSpPr>
-          <p:nvPr>
-            <p:ph sz="half" idx="2"/>
-          </p:nvPr>
-        </p:nvSpPr>
-        <p:spPr>
-          <a:xfrm>
-            <a:off x="3685032" y="2041657"/>
-            <a:ext cx="3741928" cy="3684588"/>
-          </a:xfrm>
-        </p:spPr>
-        <p:txBody>
-          <a:bodyPr/>
-          <a:lstStyle/>
-          <a:p>
-            <a:r>
-              <a:rPr lang="en-US" dirty="0"/>
-              <a:t>The net profit of </a:t>
-            </a:r>
-            <a:r>
-              <a:rPr lang="en-US" b="1" dirty="0"/>
-              <a:t>2017</a:t>
-            </a:r>
-            <a:r>
-              <a:rPr lang="en-US" dirty="0"/>
-              <a:t> auto insurance is</a:t>
-            </a:r>
-            <a:r>
-              <a:rPr lang="en-US" b="1" dirty="0"/>
-              <a:t> -16 M</a:t>
-            </a:r>
-            <a:r>
-              <a:rPr lang="en-US" dirty="0"/>
-              <a:t>. </a:t>
-            </a:r>
-          </a:p>
-          <a:p>
-            <a:pPr marL="0" indent="0">
-              <a:buNone/>
-            </a:pPr>
-            <a:endParaRPr lang="en-US" dirty="0"/>
-          </a:p>
-          <a:p>
-            <a:r>
-              <a:rPr lang="en-US" b="1" dirty="0"/>
-              <a:t>84%</a:t>
-            </a:r>
-            <a:r>
-              <a:rPr lang="en-US" dirty="0"/>
-              <a:t> of existing customers never filed any claims in </a:t>
-            </a:r>
-            <a:r>
-              <a:rPr lang="en-US" b="1" dirty="0"/>
-              <a:t>2017</a:t>
-            </a:r>
-            <a:r>
-              <a:rPr lang="en-US" dirty="0"/>
-              <a:t>.</a:t>
-            </a:r>
-          </a:p>
-          <a:p>
-            <a:pPr marL="0" indent="0">
-              <a:buNone/>
-            </a:pPr>
-            <a:endParaRPr lang="en-US" dirty="0"/>
-          </a:p>
-          <a:p>
-            <a:r>
-              <a:rPr lang="en-US" b="1" dirty="0"/>
-              <a:t>70%</a:t>
-            </a:r>
-            <a:r>
-              <a:rPr lang="en-US" dirty="0"/>
-              <a:t> of claim cost of the existing customers that filed at least one claim in </a:t>
-            </a:r>
-            <a:r>
-              <a:rPr lang="en-US" b="1" dirty="0"/>
-              <a:t>2017</a:t>
-            </a:r>
-            <a:r>
-              <a:rPr lang="en-US" dirty="0"/>
-              <a:t> is lower than </a:t>
-            </a:r>
-            <a:r>
-              <a:rPr lang="en-US" b="1" dirty="0"/>
-              <a:t>$2880 </a:t>
-            </a:r>
-            <a:r>
-              <a:rPr lang="en-US" dirty="0"/>
-              <a:t>(</a:t>
-            </a:r>
-            <a:r>
-              <a:rPr lang="en-US" b="1" dirty="0"/>
-              <a:t>4 times of premium</a:t>
-            </a:r>
-            <a:r>
-              <a:rPr lang="en-US" dirty="0"/>
-              <a:t>).</a:t>
-            </a:r>
-          </a:p>
-          <a:p>
-            <a:r>
-              <a:rPr lang="en-US" b="1" dirty="0"/>
-              <a:t>10% </a:t>
-            </a:r>
-            <a:r>
-              <a:rPr lang="en-US" dirty="0"/>
-              <a:t>of claim cost of the existing customers that filed at least one claim in </a:t>
-            </a:r>
-            <a:r>
-              <a:rPr lang="en-US" b="1" dirty="0"/>
-              <a:t>2017</a:t>
-            </a:r>
-            <a:r>
-              <a:rPr lang="en-US" dirty="0"/>
-              <a:t> is greater than </a:t>
-            </a:r>
-            <a:r>
-              <a:rPr lang="en-US" b="1" dirty="0"/>
-              <a:t>$7160 </a:t>
-            </a:r>
-            <a:r>
-              <a:rPr lang="en-US" dirty="0"/>
-              <a:t>(</a:t>
-            </a:r>
-            <a:r>
-              <a:rPr lang="en-US" b="1" dirty="0"/>
-              <a:t>10 times of premium</a:t>
-            </a:r>
-            <a:r>
-              <a:rPr lang="en-US" dirty="0"/>
-              <a:t>).</a:t>
-            </a:r>
-          </a:p>
-        </p:txBody>
-      </p:sp>
-      <p:graphicFrame>
-        <p:nvGraphicFramePr>
-          <p:cNvPr id="8" name="Chart 7">
-            <a:extLst>
-              <a:ext uri="{FF2B5EF4-FFF2-40B4-BE49-F238E27FC236}">
-                <a16:creationId xmlns:a16="http://schemas.microsoft.com/office/drawing/2014/main" id="{345CBD07-E365-C907-48E6-C84C1D079377}"/>
-              </a:ext>
-            </a:extLst>
-          </p:cNvPr>
-          <p:cNvGraphicFramePr/>
-          <p:nvPr>
-            <p:extLst>
-              <p:ext uri="{D42A27DB-BD31-4B8C-83A1-F6EECF244321}">
-                <p14:modId xmlns:p14="http://schemas.microsoft.com/office/powerpoint/2010/main" val="1442232054"/>
-              </p:ext>
-            </p:extLst>
-          </p:nvPr>
-        </p:nvGraphicFramePr>
-        <p:xfrm>
-          <a:off x="8131947" y="1720138"/>
-          <a:ext cx="2982098" cy="2381346"/>
-        </p:xfrm>
-        <a:graphic>
-          <a:graphicData uri="http://schemas.openxmlformats.org/drawingml/2006/chart">
-            <c:chart xmlns:c="http://schemas.openxmlformats.org/drawingml/2006/chart" xmlns:r="http://schemas.openxmlformats.org/officeDocument/2006/relationships" r:id="rId2"/>
-          </a:graphicData>
-        </a:graphic>
-      </p:graphicFrame>
-      <p:graphicFrame>
-        <p:nvGraphicFramePr>
-          <p:cNvPr id="9" name="Chart 8">
-            <a:extLst>
-              <a:ext uri="{FF2B5EF4-FFF2-40B4-BE49-F238E27FC236}">
-                <a16:creationId xmlns:a16="http://schemas.microsoft.com/office/drawing/2014/main" id="{59DD6384-74A5-8248-51F5-B47A4554F004}"/>
-              </a:ext>
-            </a:extLst>
-          </p:cNvPr>
-          <p:cNvGraphicFramePr/>
-          <p:nvPr>
-            <p:extLst>
-              <p:ext uri="{D42A27DB-BD31-4B8C-83A1-F6EECF244321}">
-                <p14:modId xmlns:p14="http://schemas.microsoft.com/office/powerpoint/2010/main" val="1559851836"/>
-              </p:ext>
-            </p:extLst>
-          </p:nvPr>
-        </p:nvGraphicFramePr>
-        <p:xfrm>
-          <a:off x="8168939" y="4145222"/>
-          <a:ext cx="2982098" cy="2381346"/>
-        </p:xfrm>
-        <a:graphic>
-          <a:graphicData uri="http://schemas.openxmlformats.org/drawingml/2006/chart">
-            <c:chart xmlns:c="http://schemas.openxmlformats.org/drawingml/2006/chart" xmlns:r="http://schemas.openxmlformats.org/officeDocument/2006/relationships" r:id="rId3"/>
-          </a:graphicData>
-        </a:graphic>
-      </p:graphicFrame>
-    </p:spTree>
-    <p:extLst>
-      <p:ext uri="{BB962C8B-B14F-4D97-AF65-F5344CB8AC3E}">
-        <p14:creationId xmlns:p14="http://schemas.microsoft.com/office/powerpoint/2010/main" val="1701659711"/>
-      </p:ext>
-    </p:extLst>
-  </p:cSld>
-  <p:clrMapOvr>
-    <a:masterClrMapping/>
-  </p:clrMapOvr>
-</p:sld>
-</file>
-
-<file path=ppt/slides/slide12.xml><?xml version="1.0" encoding="utf-8"?>
-<p:sld xmlns:a="http://schemas.openxmlformats.org/drawingml/2006/main" xmlns:r="http://schemas.openxmlformats.org/officeDocument/2006/relationships" xmlns:p="http://schemas.openxmlformats.org/presentationml/2006/main">
-  <p:cSld>
-    <p:spTree>
-      <p:nvGrpSpPr>
-        <p:cNvPr id="1" name=""/>
-        <p:cNvGrpSpPr/>
-        <p:nvPr/>
-      </p:nvGrpSpPr>
-      <p:grpSpPr>
-        <a:xfrm>
-          <a:off x="0" y="0"/>
-          <a:ext cx="0" cy="0"/>
-          <a:chOff x="0" y="0"/>
-          <a:chExt cx="0" cy="0"/>
-        </a:xfrm>
-      </p:grpSpPr>
-      <p:sp>
-        <p:nvSpPr>
-          <p:cNvPr id="2" name="Title 1">
-            <a:extLst>
-              <a:ext uri="{FF2B5EF4-FFF2-40B4-BE49-F238E27FC236}">
-                <a16:creationId xmlns:a16="http://schemas.microsoft.com/office/drawing/2014/main" id="{86B309B0-6209-D3D0-9D5E-308B9F6E7303}"/>
-              </a:ext>
-            </a:extLst>
-          </p:cNvPr>
-          <p:cNvSpPr>
-            <a:spLocks noGrp="1"/>
-          </p:cNvSpPr>
-          <p:nvPr>
-            <p:ph type="title"/>
-          </p:nvPr>
-        </p:nvSpPr>
-        <p:spPr>
-          <a:xfrm>
-            <a:off x="3963924" y="594360"/>
-            <a:ext cx="8165592" cy="1428595"/>
-          </a:xfrm>
-        </p:spPr>
-        <p:txBody>
-          <a:bodyPr/>
-          <a:lstStyle/>
-          <a:p>
-            <a:r>
-              <a:rPr lang="en-US" dirty="0"/>
-              <a:t>Recommendations</a:t>
-            </a:r>
-          </a:p>
-        </p:txBody>
-      </p:sp>
-      <p:sp>
-        <p:nvSpPr>
-          <p:cNvPr id="25" name="Slide Number Placeholder 24">
-            <a:extLst>
-              <a:ext uri="{FF2B5EF4-FFF2-40B4-BE49-F238E27FC236}">
-                <a16:creationId xmlns:a16="http://schemas.microsoft.com/office/drawing/2014/main" id="{5058AE03-D409-0714-CCED-4548A9C92023}"/>
-              </a:ext>
-            </a:extLst>
-          </p:cNvPr>
-          <p:cNvSpPr>
-            <a:spLocks noGrp="1"/>
-          </p:cNvSpPr>
-          <p:nvPr>
-            <p:ph type="sldNum" sz="quarter" idx="12"/>
-          </p:nvPr>
-        </p:nvSpPr>
-        <p:spPr/>
-        <p:txBody>
-          <a:bodyPr/>
-          <a:lstStyle/>
-          <a:p>
-            <a:fld id="{48F63A3B-78C7-47BE-AE5E-E10140E04643}" type="slidenum">
-              <a:rPr lang="en-US" smtClean="0"/>
-              <a:t>12</a:t>
-            </a:fld>
-            <a:endParaRPr lang="en-US" dirty="0"/>
-          </a:p>
-        </p:txBody>
-      </p:sp>
-      <p:sp>
-        <p:nvSpPr>
-          <p:cNvPr id="11" name="Text Placeholder 10">
-            <a:extLst>
-              <a:ext uri="{FF2B5EF4-FFF2-40B4-BE49-F238E27FC236}">
-                <a16:creationId xmlns:a16="http://schemas.microsoft.com/office/drawing/2014/main" id="{A2C39DD0-CD86-2929-7808-58D17FC2C0A6}"/>
-              </a:ext>
-            </a:extLst>
-          </p:cNvPr>
-          <p:cNvSpPr>
-            <a:spLocks noGrp="1"/>
-          </p:cNvSpPr>
-          <p:nvPr>
-            <p:ph type="body" idx="1"/>
-          </p:nvPr>
-        </p:nvSpPr>
-        <p:spPr>
-          <a:xfrm>
-            <a:off x="4101926" y="1308657"/>
-            <a:ext cx="4385125" cy="411480"/>
-          </a:xfrm>
-        </p:spPr>
-        <p:txBody>
-          <a:bodyPr/>
-          <a:lstStyle/>
-          <a:p>
-            <a:r>
-              <a:rPr lang="en-US" dirty="0"/>
-              <a:t>Reasons</a:t>
-            </a:r>
-          </a:p>
-        </p:txBody>
-      </p:sp>
-      <p:sp>
-        <p:nvSpPr>
-          <p:cNvPr id="5" name="Text Placeholder 10">
-            <a:extLst>
-              <a:ext uri="{FF2B5EF4-FFF2-40B4-BE49-F238E27FC236}">
-                <a16:creationId xmlns:a16="http://schemas.microsoft.com/office/drawing/2014/main" id="{5EF77762-98BB-F77B-A482-561BF4FE9D3C}"/>
-              </a:ext>
-            </a:extLst>
-          </p:cNvPr>
-          <p:cNvSpPr txBox="1">
-            <a:spLocks/>
-          </p:cNvSpPr>
-          <p:nvPr/>
-        </p:nvSpPr>
-        <p:spPr>
-          <a:xfrm>
-            <a:off x="3977640" y="2330704"/>
-            <a:ext cx="3822192" cy="411480"/>
-          </a:xfrm>
-          <a:prstGeom prst="rect">
-            <a:avLst/>
-          </a:prstGeom>
-        </p:spPr>
-        <p:txBody>
-          <a:bodyPr vert="horz" lIns="91440" tIns="45720" rIns="91440" bIns="45720" rtlCol="0" anchor="t">
-            <a:noAutofit/>
-          </a:bodyPr>
-          <a:lstStyle>
-            <a:lvl1pPr marL="0" indent="0" algn="l" defTabSz="914400" rtl="0" eaLnBrk="1" latinLnBrk="0" hangingPunct="1">
-              <a:lnSpc>
-                <a:spcPct val="100000"/>
-              </a:lnSpc>
-              <a:spcBef>
-                <a:spcPts val="0"/>
-              </a:spcBef>
-              <a:buFont typeface="Arial" panose="020B0604020202020204" pitchFamily="34" charset="0"/>
-              <a:buNone/>
-              <a:defRPr sz="1800" b="1" kern="1200" cap="all" baseline="0">
-                <a:solidFill>
-                  <a:schemeClr val="accent6"/>
-                </a:solidFill>
-                <a:latin typeface="Arial" panose="020B0604020202020204" pitchFamily="34" charset="0"/>
-                <a:ea typeface="+mn-ea"/>
-                <a:cs typeface="Arial" panose="020B0604020202020204" pitchFamily="34" charset="0"/>
-              </a:defRPr>
-            </a:lvl1pPr>
-            <a:lvl2pPr marL="457200" indent="0" algn="l" defTabSz="914400" rtl="0" eaLnBrk="1" latinLnBrk="0" hangingPunct="1">
-              <a:lnSpc>
-                <a:spcPct val="100000"/>
-              </a:lnSpc>
-              <a:spcBef>
-                <a:spcPts val="360"/>
-              </a:spcBef>
-              <a:buFont typeface="Arial" panose="020B0604020202020204" pitchFamily="34" charset="0"/>
-              <a:buNone/>
-              <a:defRPr sz="2000" b="1" kern="1200">
-                <a:solidFill>
-                  <a:schemeClr val="accent6"/>
-                </a:solidFill>
-                <a:latin typeface="+mn-lt"/>
-                <a:ea typeface="+mn-ea"/>
-                <a:cs typeface="+mn-cs"/>
-              </a:defRPr>
-            </a:lvl2pPr>
-            <a:lvl3pPr marL="914400" indent="0" algn="l" defTabSz="914400" rtl="0" eaLnBrk="1" latinLnBrk="0" hangingPunct="1">
-              <a:lnSpc>
-                <a:spcPct val="100000"/>
-              </a:lnSpc>
-              <a:spcBef>
-                <a:spcPts val="360"/>
-              </a:spcBef>
-              <a:buFont typeface="Arial" panose="020B0604020202020204" pitchFamily="34" charset="0"/>
-              <a:buNone/>
-              <a:defRPr sz="1800" b="1" kern="1200">
-                <a:solidFill>
-                  <a:schemeClr val="accent6"/>
-                </a:solidFill>
-                <a:latin typeface="+mn-lt"/>
-                <a:ea typeface="+mn-ea"/>
-                <a:cs typeface="+mn-cs"/>
-              </a:defRPr>
-            </a:lvl3pPr>
-            <a:lvl4pPr marL="1371600" indent="0" algn="l" defTabSz="914400" rtl="0" eaLnBrk="1" latinLnBrk="0" hangingPunct="1">
-              <a:lnSpc>
-                <a:spcPct val="100000"/>
-              </a:lnSpc>
-              <a:spcBef>
-                <a:spcPts val="360"/>
-              </a:spcBef>
-              <a:buFont typeface="Arial" panose="020B0604020202020204" pitchFamily="34" charset="0"/>
-              <a:buNone/>
-              <a:defRPr sz="1600" b="1" kern="1200">
-                <a:solidFill>
-                  <a:schemeClr val="accent6"/>
-                </a:solidFill>
-                <a:latin typeface="+mn-lt"/>
-                <a:ea typeface="+mn-ea"/>
-                <a:cs typeface="+mn-cs"/>
-              </a:defRPr>
-            </a:lvl4pPr>
-            <a:lvl5pPr marL="1828800" indent="0" algn="l" defTabSz="914400" rtl="0" eaLnBrk="1" latinLnBrk="0" hangingPunct="1">
-              <a:lnSpc>
-                <a:spcPct val="100000"/>
-              </a:lnSpc>
-              <a:spcBef>
-                <a:spcPts val="360"/>
-              </a:spcBef>
-              <a:buFont typeface="Arial" panose="020B0604020202020204" pitchFamily="34" charset="0"/>
-              <a:buNone/>
-              <a:defRPr sz="1600" b="1" kern="1200">
-                <a:solidFill>
-                  <a:schemeClr val="accent6"/>
-                </a:solidFill>
-                <a:latin typeface="+mn-lt"/>
-                <a:ea typeface="+mn-ea"/>
-                <a:cs typeface="+mn-cs"/>
-              </a:defRPr>
-            </a:lvl5pPr>
-            <a:lvl6pPr marL="2286000" indent="0" algn="l" defTabSz="914400" rtl="0" eaLnBrk="1" latinLnBrk="0" hangingPunct="1">
-              <a:lnSpc>
-                <a:spcPct val="90000"/>
-              </a:lnSpc>
-              <a:spcBef>
-                <a:spcPts val="500"/>
-              </a:spcBef>
-              <a:buFont typeface="Arial" panose="020B0604020202020204" pitchFamily="34" charset="0"/>
-              <a:buNone/>
-              <a:defRPr sz="1600" b="1" kern="1200">
-                <a:solidFill>
-                  <a:schemeClr val="tx1"/>
-                </a:solidFill>
-                <a:latin typeface="+mn-lt"/>
-                <a:ea typeface="+mn-ea"/>
-                <a:cs typeface="+mn-cs"/>
-              </a:defRPr>
-            </a:lvl6pPr>
-            <a:lvl7pPr marL="2743200" indent="0" algn="l" defTabSz="914400" rtl="0" eaLnBrk="1" latinLnBrk="0" hangingPunct="1">
-              <a:lnSpc>
-                <a:spcPct val="90000"/>
-              </a:lnSpc>
-              <a:spcBef>
-                <a:spcPts val="500"/>
-              </a:spcBef>
-              <a:buFont typeface="Arial" panose="020B0604020202020204" pitchFamily="34" charset="0"/>
-              <a:buNone/>
-              <a:defRPr sz="1600" b="1" kern="1200">
-                <a:solidFill>
-                  <a:schemeClr val="tx1"/>
-                </a:solidFill>
-                <a:latin typeface="+mn-lt"/>
-                <a:ea typeface="+mn-ea"/>
-                <a:cs typeface="+mn-cs"/>
-              </a:defRPr>
-            </a:lvl7pPr>
-            <a:lvl8pPr marL="3200400" indent="0" algn="l" defTabSz="914400" rtl="0" eaLnBrk="1" latinLnBrk="0" hangingPunct="1">
-              <a:lnSpc>
-                <a:spcPct val="90000"/>
-              </a:lnSpc>
-              <a:spcBef>
-                <a:spcPts val="500"/>
-              </a:spcBef>
-              <a:buFont typeface="Arial" panose="020B0604020202020204" pitchFamily="34" charset="0"/>
-              <a:buNone/>
-              <a:defRPr sz="1600" b="1" kern="1200">
-                <a:solidFill>
-                  <a:schemeClr val="tx1"/>
-                </a:solidFill>
-                <a:latin typeface="+mn-lt"/>
-                <a:ea typeface="+mn-ea"/>
-                <a:cs typeface="+mn-cs"/>
-              </a:defRPr>
-            </a:lvl8pPr>
-            <a:lvl9pPr marL="3657600" indent="0" algn="l" defTabSz="914400" rtl="0" eaLnBrk="1" latinLnBrk="0" hangingPunct="1">
-              <a:lnSpc>
-                <a:spcPct val="90000"/>
-              </a:lnSpc>
-              <a:spcBef>
-                <a:spcPts val="500"/>
-              </a:spcBef>
-              <a:buFont typeface="Arial" panose="020B0604020202020204" pitchFamily="34" charset="0"/>
-              <a:buNone/>
-              <a:defRPr sz="1600" b="1" kern="1200">
-                <a:solidFill>
-                  <a:schemeClr val="tx1"/>
-                </a:solidFill>
-                <a:latin typeface="+mn-lt"/>
-                <a:ea typeface="+mn-ea"/>
-                <a:cs typeface="+mn-cs"/>
-              </a:defRPr>
-            </a:lvl9pPr>
-          </a:lstStyle>
-          <a:p>
-            <a:r>
-              <a:rPr lang="en-US" dirty="0"/>
-              <a:t>Good driver</a:t>
-            </a:r>
-          </a:p>
-        </p:txBody>
-      </p:sp>
-      <p:sp>
-        <p:nvSpPr>
-          <p:cNvPr id="6" name="Content Placeholder 11">
-            <a:extLst>
-              <a:ext uri="{FF2B5EF4-FFF2-40B4-BE49-F238E27FC236}">
-                <a16:creationId xmlns:a16="http://schemas.microsoft.com/office/drawing/2014/main" id="{7A1C30E6-F26D-474F-9C8C-5A8222058776}"/>
-              </a:ext>
-            </a:extLst>
-          </p:cNvPr>
-          <p:cNvSpPr>
-            <a:spLocks noGrp="1"/>
-          </p:cNvSpPr>
-          <p:nvPr>
-            <p:ph sz="half" idx="2"/>
-          </p:nvPr>
-        </p:nvSpPr>
-        <p:spPr>
-          <a:xfrm>
-            <a:off x="3685032" y="2877312"/>
-            <a:ext cx="3741928" cy="3684588"/>
-          </a:xfrm>
-        </p:spPr>
-        <p:txBody>
-          <a:bodyPr/>
-          <a:lstStyle/>
-          <a:p>
-            <a:r>
-              <a:rPr lang="en-US" dirty="0"/>
-              <a:t>The customer that never filed any claims is the good drivers, which can increase the expectation of net profit. So a customer acquisition and retention need to be applied.  </a:t>
-            </a:r>
-          </a:p>
-          <a:p>
-            <a:endParaRPr lang="en-US" dirty="0"/>
-          </a:p>
-          <a:p>
-            <a:r>
-              <a:rPr lang="en-US" dirty="0"/>
-              <a:t>The customer that filed multi claims with low cost is also one income of the revenue, but the premium need to be adjusted to bring the positive net profit.</a:t>
-            </a:r>
-          </a:p>
-          <a:p>
-            <a:pPr marL="0" indent="0">
-              <a:buNone/>
-            </a:pPr>
-            <a:endParaRPr lang="en-US" dirty="0"/>
-          </a:p>
-          <a:p>
-            <a:endParaRPr lang="en-US" dirty="0"/>
-          </a:p>
-        </p:txBody>
-      </p:sp>
-      <p:sp>
-        <p:nvSpPr>
-          <p:cNvPr id="7" name="Text Placeholder 12">
-            <a:extLst>
-              <a:ext uri="{FF2B5EF4-FFF2-40B4-BE49-F238E27FC236}">
-                <a16:creationId xmlns:a16="http://schemas.microsoft.com/office/drawing/2014/main" id="{332C899B-D46C-988B-313C-29A23D554676}"/>
-              </a:ext>
-            </a:extLst>
-          </p:cNvPr>
-          <p:cNvSpPr>
-            <a:spLocks noGrp="1"/>
-          </p:cNvSpPr>
-          <p:nvPr>
-            <p:ph type="body" sz="quarter" idx="3"/>
-          </p:nvPr>
-        </p:nvSpPr>
-        <p:spPr>
-          <a:xfrm>
-            <a:off x="8046720" y="2330704"/>
-            <a:ext cx="3822192" cy="411480"/>
-          </a:xfrm>
-        </p:spPr>
-        <p:txBody>
-          <a:bodyPr/>
-          <a:lstStyle/>
-          <a:p>
-            <a:r>
-              <a:rPr lang="en-US" dirty="0"/>
-              <a:t>BAD DRIVER</a:t>
-            </a:r>
-          </a:p>
-        </p:txBody>
-      </p:sp>
-      <p:sp>
-        <p:nvSpPr>
-          <p:cNvPr id="8" name="Content Placeholder 13">
-            <a:extLst>
-              <a:ext uri="{FF2B5EF4-FFF2-40B4-BE49-F238E27FC236}">
-                <a16:creationId xmlns:a16="http://schemas.microsoft.com/office/drawing/2014/main" id="{704E9778-C6A2-9D12-E16A-F46398DE4DB7}"/>
-              </a:ext>
-            </a:extLst>
-          </p:cNvPr>
-          <p:cNvSpPr>
-            <a:spLocks noGrp="1"/>
-          </p:cNvSpPr>
-          <p:nvPr>
-            <p:ph sz="quarter" idx="4"/>
-          </p:nvPr>
-        </p:nvSpPr>
-        <p:spPr>
-          <a:xfrm>
-            <a:off x="7754112" y="2877312"/>
-            <a:ext cx="3741928" cy="3684588"/>
-          </a:xfrm>
-        </p:spPr>
-        <p:txBody>
-          <a:bodyPr/>
-          <a:lstStyle/>
-          <a:p>
-            <a:r>
-              <a:rPr lang="en-US" dirty="0"/>
-              <a:t>The customer that filed multi claims with high cost is the bad driver, which can decrease the expectation of the net profit. So the rejection plan could be applied. </a:t>
-            </a:r>
-          </a:p>
-          <a:p>
-            <a:endParaRPr lang="en-US" dirty="0"/>
-          </a:p>
-          <a:p>
-            <a:r>
-              <a:rPr lang="en-US" dirty="0"/>
-              <a:t>The rest customer that filed only one case with high cost need to be paid more attention by requiring more information and adding a pending time. The reason of the one-time high-cost payoff need to be investigated. The cause may be various, such as fraud, bad weather, hit and run, hit a human being or broken the high-value item.  We need to understand the expectation of this group of customer. </a:t>
-            </a:r>
-          </a:p>
-        </p:txBody>
-      </p:sp>
-    </p:spTree>
-    <p:extLst>
-      <p:ext uri="{BB962C8B-B14F-4D97-AF65-F5344CB8AC3E}">
-        <p14:creationId xmlns:p14="http://schemas.microsoft.com/office/powerpoint/2010/main" val="46367275"/>
-      </p:ext>
-    </p:extLst>
-  </p:cSld>
-  <p:clrMapOvr>
-    <a:masterClrMapping/>
-  </p:clrMapOvr>
-</p:sld>
-</file>
-
 <file path=ppt/slides/slide13.xml><?xml version="1.0" encoding="utf-8"?>
 <p:sld xmlns:a="http://schemas.openxmlformats.org/drawingml/2006/main" xmlns:r="http://schemas.openxmlformats.org/officeDocument/2006/relationships" xmlns:p="http://schemas.openxmlformats.org/presentationml/2006/main">
   <p:cSld>
@@ -27767,8 +27773,13 @@
             </a:pPr>
             <a:r>
               <a:rPr lang="en-US" dirty="0"/>
-              <a:t>Next step: model implementation (big data or on-time) and model monitoring (model retrain)</a:t>
+              <a:t>Next step: model implementation (big data or on-time), model monitoring</a:t>
             </a:r>
+            <a:r>
+              <a:rPr lang="en-US"/>
+              <a:t>, and model retrain.</a:t>
+            </a:r>
+            <a:endParaRPr lang="en-US" dirty="0"/>
           </a:p>
           <a:p>
             <a:pPr marL="285750" indent="-285750">
@@ -29154,7 +29165,7 @@
             </a:pPr>
             <a:r>
               <a:rPr lang="en-US" sz="1100" dirty="0"/>
-              <a:t>Scale the continuous feature</a:t>
+              <a:t>Encode the categorical feature</a:t>
             </a:r>
           </a:p>
           <a:p>
@@ -29164,7 +29175,7 @@
             </a:pPr>
             <a:r>
               <a:rPr lang="en-US" sz="1100" dirty="0"/>
-              <a:t>Encode the categorical feature</a:t>
+              <a:t>Scale the continuous feature</a:t>
             </a:r>
           </a:p>
         </p:txBody>
@@ -29192,7 +29203,7 @@
           <a:p>
             <a:r>
               <a:rPr lang="en-US" sz="1400" dirty="0"/>
-              <a:t>data exploration and feature engineering</a:t>
+              <a:t>feature engineering</a:t>
             </a:r>
           </a:p>
         </p:txBody>
@@ -29251,23 +29262,23 @@
             </a:r>
           </a:p>
           <a:p>
-            <a:pPr marL="171450" lvl="0" indent="-171450" algn="l">
+            <a:pPr marL="171450" lvl="0" indent="-171450" algn="just">
               <a:buFont typeface="Arial" panose="020B0604020202020204" pitchFamily="34" charset="0"/>
               <a:buChar char="•"/>
             </a:pPr>
             <a:r>
               <a:rPr lang="en-US" sz="1100" dirty="0"/>
-              <a:t>Check if it is imbalanced data</a:t>
+              <a:t>Resample the training data if the data is imbalanced</a:t>
             </a:r>
           </a:p>
           <a:p>
-            <a:pPr marL="171450" lvl="0" indent="-171450" algn="l">
+            <a:pPr marL="171450" lvl="0" indent="-171450" algn="just">
               <a:buFont typeface="Arial" panose="020B0604020202020204" pitchFamily="34" charset="0"/>
               <a:buChar char="•"/>
             </a:pPr>
             <a:r>
               <a:rPr lang="en-US" sz="1100" dirty="0"/>
-              <a:t>Check the distribution of the dependent variable</a:t>
+              <a:t>Normalize the predictor variable if needed</a:t>
             </a:r>
           </a:p>
         </p:txBody>
@@ -29295,7 +29306,7 @@
           <a:p>
             <a:r>
               <a:rPr lang="en-US" sz="1400" dirty="0"/>
-              <a:t>training the model/hyperparameter tuning </a:t>
+              <a:t>Model Training</a:t>
             </a:r>
           </a:p>
         </p:txBody>
@@ -29360,7 +29371,7 @@
             </a:pPr>
             <a:r>
               <a:rPr lang="en-US" sz="1100" dirty="0"/>
-              <a:t>Resample the training data if the data is imbalanced</a:t>
+              <a:t>Grid search for the hyperparameter tunning</a:t>
             </a:r>
           </a:p>
           <a:p>
@@ -29370,7 +29381,7 @@
             </a:pPr>
             <a:r>
               <a:rPr lang="en-US" sz="1100" dirty="0"/>
-              <a:t>Select a fitted model and hyperparameters</a:t>
+              <a:t>PCA can be applied if the number of feature is too much</a:t>
             </a:r>
           </a:p>
         </p:txBody>
@@ -29466,16 +29477,6 @@
               <a:t>Select the correct metrics for regression </a:t>
             </a:r>
           </a:p>
-          <a:p>
-            <a:pPr marL="171450" lvl="0" indent="-171450" algn="just">
-              <a:buFont typeface="Arial" panose="020B0604020202020204" pitchFamily="34" charset="0"/>
-              <a:buChar char="•"/>
-            </a:pPr>
-            <a:r>
-              <a:rPr lang="en-US" sz="1100" dirty="0"/>
-              <a:t>PCA could be a comparison to the result of clustering</a:t>
-            </a:r>
-          </a:p>
         </p:txBody>
       </p:sp>
       <p:sp>
@@ -29566,7 +29567,7 @@
             </a:pPr>
             <a:r>
               <a:rPr lang="en-US" sz="1100" dirty="0"/>
-              <a:t>Save the temporal data</a:t>
+              <a:t>Save the temporal feature</a:t>
             </a:r>
           </a:p>
         </p:txBody>
@@ -30920,7 +30921,7 @@
           <a:p>
             <a:r>
               <a:rPr lang="en-US" sz="1400" dirty="0"/>
-              <a:t>The response variable 'claimcst0' is highly right-skewed and is positive across all observations.</a:t>
+              <a:t>The target variable 'claimcst0' is highly right-skewed and is positive across all observations.</a:t>
             </a:r>
           </a:p>
           <a:p>
